--- a/Chat by oscar.pptx
+++ b/Chat by oscar.pptx
@@ -15,8 +15,8 @@
     <p:sldId id="267" r:id="rId9"/>
     <p:sldId id="268" r:id="rId10"/>
     <p:sldId id="261" r:id="rId11"/>
-    <p:sldId id="259" r:id="rId12"/>
-    <p:sldId id="260" r:id="rId13"/>
+    <p:sldId id="260" r:id="rId12"/>
+    <p:sldId id="269" r:id="rId13"/>
   </p:sldIdLst>
   <p:sldSz cx="12192000" cy="6858000"/>
   <p:notesSz cx="6858000" cy="9144000"/>
@@ -115,6 +115,11 @@
       </a:defRPr>
     </a:lvl9pPr>
   </p:defaultTextStyle>
+  <p:extLst>
+    <p:ext uri="{EFAFB233-063F-42B5-8137-9DF3F51BA10A}">
+      <p15:sldGuideLst xmlns:p15="http://schemas.microsoft.com/office/powerpoint/2012/main"/>
+    </p:ext>
+  </p:extLst>
 </p:presentation>
 </file>
 
@@ -265,7 +270,7 @@
           <a:p>
             <a:fld id="{3C807257-EEF2-461F-8B15-6FD1F2DF95EB}" type="datetimeFigureOut">
               <a:rPr lang="zh-TW" altLang="en-US" smtClean="0"/>
-              <a:t>2023/2/10</a:t>
+              <a:t>2023/2/13</a:t>
             </a:fld>
             <a:endParaRPr lang="zh-TW" altLang="en-US"/>
           </a:p>
@@ -463,7 +468,7 @@
           <a:p>
             <a:fld id="{3C807257-EEF2-461F-8B15-6FD1F2DF95EB}" type="datetimeFigureOut">
               <a:rPr lang="zh-TW" altLang="en-US" smtClean="0"/>
-              <a:t>2023/2/10</a:t>
+              <a:t>2023/2/13</a:t>
             </a:fld>
             <a:endParaRPr lang="zh-TW" altLang="en-US"/>
           </a:p>
@@ -671,7 +676,7 @@
           <a:p>
             <a:fld id="{3C807257-EEF2-461F-8B15-6FD1F2DF95EB}" type="datetimeFigureOut">
               <a:rPr lang="zh-TW" altLang="en-US" smtClean="0"/>
-              <a:t>2023/2/10</a:t>
+              <a:t>2023/2/13</a:t>
             </a:fld>
             <a:endParaRPr lang="zh-TW" altLang="en-US"/>
           </a:p>
@@ -869,7 +874,7 @@
           <a:p>
             <a:fld id="{3C807257-EEF2-461F-8B15-6FD1F2DF95EB}" type="datetimeFigureOut">
               <a:rPr lang="zh-TW" altLang="en-US" smtClean="0"/>
-              <a:t>2023/2/10</a:t>
+              <a:t>2023/2/13</a:t>
             </a:fld>
             <a:endParaRPr lang="zh-TW" altLang="en-US"/>
           </a:p>
@@ -1144,7 +1149,7 @@
           <a:p>
             <a:fld id="{3C807257-EEF2-461F-8B15-6FD1F2DF95EB}" type="datetimeFigureOut">
               <a:rPr lang="zh-TW" altLang="en-US" smtClean="0"/>
-              <a:t>2023/2/10</a:t>
+              <a:t>2023/2/13</a:t>
             </a:fld>
             <a:endParaRPr lang="zh-TW" altLang="en-US"/>
           </a:p>
@@ -1409,7 +1414,7 @@
           <a:p>
             <a:fld id="{3C807257-EEF2-461F-8B15-6FD1F2DF95EB}" type="datetimeFigureOut">
               <a:rPr lang="zh-TW" altLang="en-US" smtClean="0"/>
-              <a:t>2023/2/10</a:t>
+              <a:t>2023/2/13</a:t>
             </a:fld>
             <a:endParaRPr lang="zh-TW" altLang="en-US"/>
           </a:p>
@@ -1821,7 +1826,7 @@
           <a:p>
             <a:fld id="{3C807257-EEF2-461F-8B15-6FD1F2DF95EB}" type="datetimeFigureOut">
               <a:rPr lang="zh-TW" altLang="en-US" smtClean="0"/>
-              <a:t>2023/2/10</a:t>
+              <a:t>2023/2/13</a:t>
             </a:fld>
             <a:endParaRPr lang="zh-TW" altLang="en-US"/>
           </a:p>
@@ -1962,7 +1967,7 @@
           <a:p>
             <a:fld id="{3C807257-EEF2-461F-8B15-6FD1F2DF95EB}" type="datetimeFigureOut">
               <a:rPr lang="zh-TW" altLang="en-US" smtClean="0"/>
-              <a:t>2023/2/10</a:t>
+              <a:t>2023/2/13</a:t>
             </a:fld>
             <a:endParaRPr lang="zh-TW" altLang="en-US"/>
           </a:p>
@@ -2075,7 +2080,7 @@
           <a:p>
             <a:fld id="{3C807257-EEF2-461F-8B15-6FD1F2DF95EB}" type="datetimeFigureOut">
               <a:rPr lang="zh-TW" altLang="en-US" smtClean="0"/>
-              <a:t>2023/2/10</a:t>
+              <a:t>2023/2/13</a:t>
             </a:fld>
             <a:endParaRPr lang="zh-TW" altLang="en-US"/>
           </a:p>
@@ -2386,7 +2391,7 @@
           <a:p>
             <a:fld id="{3C807257-EEF2-461F-8B15-6FD1F2DF95EB}" type="datetimeFigureOut">
               <a:rPr lang="zh-TW" altLang="en-US" smtClean="0"/>
-              <a:t>2023/2/10</a:t>
+              <a:t>2023/2/13</a:t>
             </a:fld>
             <a:endParaRPr lang="zh-TW" altLang="en-US"/>
           </a:p>
@@ -2674,7 +2679,7 @@
           <a:p>
             <a:fld id="{3C807257-EEF2-461F-8B15-6FD1F2DF95EB}" type="datetimeFigureOut">
               <a:rPr lang="zh-TW" altLang="en-US" smtClean="0"/>
-              <a:t>2023/2/10</a:t>
+              <a:t>2023/2/13</a:t>
             </a:fld>
             <a:endParaRPr lang="zh-TW" altLang="en-US"/>
           </a:p>
@@ -2915,7 +2920,7 @@
           <a:p>
             <a:fld id="{3C807257-EEF2-461F-8B15-6FD1F2DF95EB}" type="datetimeFigureOut">
               <a:rPr lang="zh-TW" altLang="en-US" smtClean="0"/>
-              <a:t>2023/2/10</a:t>
+              <a:t>2023/2/13</a:t>
             </a:fld>
             <a:endParaRPr lang="zh-TW" altLang="en-US"/>
           </a:p>
@@ -3381,7 +3386,10 @@
           <a:bodyPr/>
           <a:lstStyle/>
           <a:p>
-            <a:endParaRPr lang="zh-TW" altLang="en-US" dirty="0"/>
+            <a:r>
+              <a:rPr lang="zh-TW" altLang="en-US" dirty="0"/>
+              <a:t>官網提供</a:t>
+            </a:r>
           </a:p>
         </p:txBody>
       </p:sp>
@@ -3407,7 +3415,7 @@
         </p:blipFill>
         <p:spPr>
           <a:xfrm>
-            <a:off x="838200" y="1831522"/>
+            <a:off x="3739126" y="1815195"/>
             <a:ext cx="8452874" cy="5042805"/>
           </a:xfrm>
           <a:prstGeom prst="rect">
@@ -3429,7 +3437,7 @@
         </p:nvSpPr>
         <p:spPr>
           <a:xfrm>
-            <a:off x="4867275" y="4352925"/>
+            <a:off x="4838700" y="4419599"/>
             <a:ext cx="2266950" cy="819150"/>
           </a:xfrm>
           <a:prstGeom prst="rect">
@@ -3727,7 +3735,7 @@
           <p:cNvPr id="2" name="標題 1">
             <a:extLst>
               <a:ext uri="{FF2B5EF4-FFF2-40B4-BE49-F238E27FC236}">
-                <a16:creationId xmlns:a16="http://schemas.microsoft.com/office/drawing/2014/main" id="{7973F0B9-182F-E4FF-73A6-3038B8551B0D}"/>
+                <a16:creationId xmlns:a16="http://schemas.microsoft.com/office/drawing/2014/main" id="{2D07DF1C-B25C-2666-839B-65595C4A3F66}"/>
               </a:ext>
             </a:extLst>
           </p:cNvPr>
@@ -3743,9 +3751,10 @@
           <a:bodyPr/>
           <a:lstStyle/>
           <a:p>
+            <a:pPr algn="r"/>
             <a:r>
               <a:rPr lang="zh-TW" altLang="en-US" dirty="0"/>
-              <a:t>特殊補充</a:t>
+              <a:t>利用不同語意</a:t>
             </a:r>
           </a:p>
         </p:txBody>
@@ -3755,7 +3764,7 @@
           <p:cNvPr id="3" name="內容版面配置區 2">
             <a:extLst>
               <a:ext uri="{FF2B5EF4-FFF2-40B4-BE49-F238E27FC236}">
-                <a16:creationId xmlns:a16="http://schemas.microsoft.com/office/drawing/2014/main" id="{46638E93-4230-93C3-6CBB-758C15E1A84A}"/>
+                <a16:creationId xmlns:a16="http://schemas.microsoft.com/office/drawing/2014/main" id="{81576D4C-866A-92A6-F40D-E0AD64E387B7}"/>
               </a:ext>
             </a:extLst>
           </p:cNvPr>
@@ -3771,7 +3780,7 @@
           <a:bodyPr/>
           <a:lstStyle/>
           <a:p>
-            <a:endParaRPr lang="zh-TW" altLang="en-US"/>
+            <a:endParaRPr lang="zh-TW" altLang="en-US" dirty="0"/>
           </a:p>
         </p:txBody>
       </p:sp>
@@ -3780,7 +3789,7 @@
           <p:cNvPr id="5" name="圖片 4">
             <a:extLst>
               <a:ext uri="{FF2B5EF4-FFF2-40B4-BE49-F238E27FC236}">
-                <a16:creationId xmlns:a16="http://schemas.microsoft.com/office/drawing/2014/main" id="{1052BEE4-6D81-5484-2F91-48CA92F94CD0}"/>
+                <a16:creationId xmlns:a16="http://schemas.microsoft.com/office/drawing/2014/main" id="{24943AFE-B0B4-BA4D-C9DA-5479DFEC60B8}"/>
               </a:ext>
             </a:extLst>
           </p:cNvPr>
@@ -3797,8 +3806,8 @@
         </p:blipFill>
         <p:spPr>
           <a:xfrm>
-            <a:off x="0" y="2143313"/>
-            <a:ext cx="8745378" cy="4714687"/>
+            <a:off x="0" y="0"/>
+            <a:ext cx="7153275" cy="4558133"/>
           </a:xfrm>
           <a:prstGeom prst="rect">
             <a:avLst/>
@@ -3810,7 +3819,7 @@
           <p:cNvPr id="7" name="圖片 6">
             <a:extLst>
               <a:ext uri="{FF2B5EF4-FFF2-40B4-BE49-F238E27FC236}">
-                <a16:creationId xmlns:a16="http://schemas.microsoft.com/office/drawing/2014/main" id="{F1BB0613-DF54-8D94-FC8B-41F09B1D5702}"/>
+                <a16:creationId xmlns:a16="http://schemas.microsoft.com/office/drawing/2014/main" id="{065937ED-A4C8-B056-C565-F541A0E7E98D}"/>
               </a:ext>
             </a:extLst>
           </p:cNvPr>
@@ -3827,8 +3836,38 @@
         </p:blipFill>
         <p:spPr>
           <a:xfrm>
-            <a:off x="4181475" y="1798"/>
-            <a:ext cx="8010525" cy="4343789"/>
+            <a:off x="5038198" y="1485900"/>
+            <a:ext cx="7153802" cy="5372100"/>
+          </a:xfrm>
+          <a:prstGeom prst="rect">
+            <a:avLst/>
+          </a:prstGeom>
+        </p:spPr>
+      </p:pic>
+      <p:pic>
+        <p:nvPicPr>
+          <p:cNvPr id="9" name="圖片 8">
+            <a:extLst>
+              <a:ext uri="{FF2B5EF4-FFF2-40B4-BE49-F238E27FC236}">
+                <a16:creationId xmlns:a16="http://schemas.microsoft.com/office/drawing/2014/main" id="{68A48D1F-DFB9-E11B-4877-69EFF466A150}"/>
+              </a:ext>
+            </a:extLst>
+          </p:cNvPr>
+          <p:cNvPicPr>
+            <a:picLocks noChangeAspect="1"/>
+          </p:cNvPicPr>
+          <p:nvPr/>
+        </p:nvPicPr>
+        <p:blipFill>
+          <a:blip r:embed="rId4"/>
+          <a:stretch>
+            <a:fillRect/>
+          </a:stretch>
+        </p:blipFill>
+        <p:spPr>
+          <a:xfrm>
+            <a:off x="1" y="4029154"/>
+            <a:ext cx="7277100" cy="2828845"/>
           </a:xfrm>
           <a:prstGeom prst="rect">
             <a:avLst/>
@@ -3838,7 +3877,7 @@
     </p:spTree>
     <p:extLst>
       <p:ext uri="{BB962C8B-B14F-4D97-AF65-F5344CB8AC3E}">
-        <p14:creationId xmlns:p14="http://schemas.microsoft.com/office/powerpoint/2010/main" val="3364583705"/>
+        <p14:creationId xmlns:p14="http://schemas.microsoft.com/office/powerpoint/2010/main" val="2358403728"/>
       </p:ext>
     </p:extLst>
   </p:cSld>
@@ -3870,7 +3909,7 @@
           <p:cNvPr id="2" name="標題 1">
             <a:extLst>
               <a:ext uri="{FF2B5EF4-FFF2-40B4-BE49-F238E27FC236}">
-                <a16:creationId xmlns:a16="http://schemas.microsoft.com/office/drawing/2014/main" id="{2D07DF1C-B25C-2666-839B-65595C4A3F66}"/>
+                <a16:creationId xmlns:a16="http://schemas.microsoft.com/office/drawing/2014/main" id="{7461F57F-A192-160F-4E4B-E14933B7BC6E}"/>
               </a:ext>
             </a:extLst>
           </p:cNvPr>
@@ -3886,10 +3925,17 @@
           <a:bodyPr/>
           <a:lstStyle/>
           <a:p>
-            <a:pPr algn="r"/>
             <a:r>
               <a:rPr lang="zh-TW" altLang="en-US" dirty="0"/>
-              <a:t>利用不同語意</a:t>
+              <a:t>總結</a:t>
+            </a:r>
+            <a:r>
+              <a:rPr lang="en-US" altLang="zh-TW" dirty="0"/>
+              <a:t>-</a:t>
+            </a:r>
+            <a:r>
+              <a:rPr lang="zh-TW" altLang="en-US" dirty="0"/>
+              <a:t>對工程師的影響</a:t>
             </a:r>
           </a:p>
         </p:txBody>
@@ -3899,7 +3945,7 @@
           <p:cNvPr id="3" name="內容版面配置區 2">
             <a:extLst>
               <a:ext uri="{FF2B5EF4-FFF2-40B4-BE49-F238E27FC236}">
-                <a16:creationId xmlns:a16="http://schemas.microsoft.com/office/drawing/2014/main" id="{81576D4C-866A-92A6-F40D-E0AD64E387B7}"/>
+                <a16:creationId xmlns:a16="http://schemas.microsoft.com/office/drawing/2014/main" id="{3A5162C6-F8C5-2200-C93F-6F018A1D86EB}"/>
               </a:ext>
             </a:extLst>
           </p:cNvPr>
@@ -3910,109 +3956,135 @@
             <p:ph idx="1"/>
           </p:nvPr>
         </p:nvSpPr>
-        <p:spPr/>
-        <p:txBody>
-          <a:bodyPr/>
-          <a:lstStyle/>
-          <a:p>
-            <a:endParaRPr lang="zh-TW" altLang="en-US" dirty="0"/>
-          </a:p>
-        </p:txBody>
-      </p:sp>
-      <p:pic>
-        <p:nvPicPr>
-          <p:cNvPr id="5" name="圖片 4">
-            <a:extLst>
-              <a:ext uri="{FF2B5EF4-FFF2-40B4-BE49-F238E27FC236}">
-                <a16:creationId xmlns:a16="http://schemas.microsoft.com/office/drawing/2014/main" id="{24943AFE-B0B4-BA4D-C9DA-5479DFEC60B8}"/>
-              </a:ext>
-            </a:extLst>
-          </p:cNvPr>
-          <p:cNvPicPr>
-            <a:picLocks noChangeAspect="1"/>
-          </p:cNvPicPr>
-          <p:nvPr/>
-        </p:nvPicPr>
-        <p:blipFill>
-          <a:blip r:embed="rId2"/>
-          <a:stretch>
-            <a:fillRect/>
-          </a:stretch>
-        </p:blipFill>
         <p:spPr>
           <a:xfrm>
-            <a:off x="0" y="0"/>
-            <a:ext cx="7153275" cy="4558133"/>
+            <a:off x="838200" y="1844675"/>
+            <a:ext cx="10515600" cy="4351338"/>
           </a:xfrm>
-          <a:prstGeom prst="rect">
-            <a:avLst/>
-          </a:prstGeom>
         </p:spPr>
-      </p:pic>
-      <p:pic>
-        <p:nvPicPr>
-          <p:cNvPr id="7" name="圖片 6">
-            <a:extLst>
-              <a:ext uri="{FF2B5EF4-FFF2-40B4-BE49-F238E27FC236}">
-                <a16:creationId xmlns:a16="http://schemas.microsoft.com/office/drawing/2014/main" id="{065937ED-A4C8-B056-C565-F541A0E7E98D}"/>
-              </a:ext>
-            </a:extLst>
-          </p:cNvPr>
-          <p:cNvPicPr>
-            <a:picLocks noChangeAspect="1"/>
-          </p:cNvPicPr>
-          <p:nvPr/>
-        </p:nvPicPr>
-        <p:blipFill>
-          <a:blip r:embed="rId3"/>
-          <a:stretch>
-            <a:fillRect/>
-          </a:stretch>
-        </p:blipFill>
-        <p:spPr>
-          <a:xfrm>
-            <a:off x="5038198" y="1485900"/>
-            <a:ext cx="7153802" cy="5372100"/>
-          </a:xfrm>
-          <a:prstGeom prst="rect">
-            <a:avLst/>
-          </a:prstGeom>
-        </p:spPr>
-      </p:pic>
-      <p:pic>
-        <p:nvPicPr>
-          <p:cNvPr id="9" name="圖片 8">
-            <a:extLst>
-              <a:ext uri="{FF2B5EF4-FFF2-40B4-BE49-F238E27FC236}">
-                <a16:creationId xmlns:a16="http://schemas.microsoft.com/office/drawing/2014/main" id="{68A48D1F-DFB9-E11B-4877-69EFF466A150}"/>
-              </a:ext>
-            </a:extLst>
-          </p:cNvPr>
-          <p:cNvPicPr>
-            <a:picLocks noChangeAspect="1"/>
-          </p:cNvPicPr>
-          <p:nvPr/>
-        </p:nvPicPr>
-        <p:blipFill>
-          <a:blip r:embed="rId4"/>
-          <a:stretch>
-            <a:fillRect/>
-          </a:stretch>
-        </p:blipFill>
-        <p:spPr>
-          <a:xfrm>
-            <a:off x="1" y="4029154"/>
-            <a:ext cx="7277100" cy="2828845"/>
-          </a:xfrm>
-          <a:prstGeom prst="rect">
-            <a:avLst/>
-          </a:prstGeom>
-        </p:spPr>
-      </p:pic>
+        <p:txBody>
+          <a:bodyPr>
+            <a:normAutofit lnSpcReduction="10000"/>
+          </a:bodyPr>
+          <a:lstStyle/>
+          <a:p>
+            <a:r>
+              <a:rPr lang="zh-TW" altLang="en-US" dirty="0"/>
+              <a:t>優點</a:t>
+            </a:r>
+            <a:endParaRPr lang="en-US" altLang="zh-TW" dirty="0"/>
+          </a:p>
+          <a:p>
+            <a:pPr marL="0" indent="0">
+              <a:buNone/>
+            </a:pPr>
+            <a:r>
+              <a:rPr lang="zh-TW" altLang="en-US" dirty="0"/>
+              <a:t>有助於程式碼優化</a:t>
+            </a:r>
+            <a:r>
+              <a:rPr lang="en-US" altLang="zh-TW" dirty="0"/>
+              <a:t>-</a:t>
+            </a:r>
+            <a:r>
+              <a:rPr lang="zh-TW" altLang="en-US" dirty="0"/>
+              <a:t>輔助分析</a:t>
+            </a:r>
+            <a:endParaRPr lang="en-US" altLang="zh-TW" dirty="0"/>
+          </a:p>
+          <a:p>
+            <a:pPr marL="0" indent="0">
+              <a:buNone/>
+            </a:pPr>
+            <a:r>
+              <a:rPr lang="zh-TW" altLang="en-US" dirty="0"/>
+              <a:t>片段程式碼練習</a:t>
+            </a:r>
+            <a:r>
+              <a:rPr lang="en-US" altLang="zh-TW" dirty="0"/>
+              <a:t>-</a:t>
+            </a:r>
+            <a:r>
+              <a:rPr lang="zh-TW" altLang="en-US" dirty="0"/>
+              <a:t>學習他人的撰寫方式</a:t>
+            </a:r>
+            <a:endParaRPr lang="en-US" altLang="zh-TW" dirty="0"/>
+          </a:p>
+          <a:p>
+            <a:pPr marL="0" indent="0">
+              <a:buNone/>
+            </a:pPr>
+            <a:r>
+              <a:rPr lang="zh-TW" altLang="en-US" dirty="0"/>
+              <a:t>快速生成樣板</a:t>
+            </a:r>
+            <a:endParaRPr lang="en-US" altLang="zh-TW" dirty="0"/>
+          </a:p>
+          <a:p>
+            <a:endParaRPr lang="en-US" altLang="zh-TW" dirty="0"/>
+          </a:p>
+          <a:p>
+            <a:r>
+              <a:rPr lang="zh-TW" altLang="en-US" dirty="0"/>
+              <a:t>缺點</a:t>
+            </a:r>
+            <a:endParaRPr lang="en-US" altLang="zh-TW" dirty="0"/>
+          </a:p>
+          <a:p>
+            <a:pPr marL="0" indent="0">
+              <a:buNone/>
+            </a:pPr>
+            <a:r>
+              <a:rPr lang="zh-TW" altLang="en-US" dirty="0"/>
+              <a:t>除錯上的不一致</a:t>
+            </a:r>
+            <a:r>
+              <a:rPr lang="en-US" altLang="zh-TW" dirty="0"/>
+              <a:t>-IDE</a:t>
+            </a:r>
+            <a:r>
+              <a:rPr lang="zh-TW" altLang="en-US" dirty="0"/>
+              <a:t>、</a:t>
+            </a:r>
+            <a:r>
+              <a:rPr lang="en-US" altLang="zh-TW" dirty="0" err="1"/>
+              <a:t>CheckMarx</a:t>
+            </a:r>
+            <a:endParaRPr lang="en-US" altLang="zh-TW" dirty="0"/>
+          </a:p>
+          <a:p>
+            <a:pPr marL="0" indent="0">
+              <a:buNone/>
+            </a:pPr>
+            <a:r>
+              <a:rPr lang="zh-TW" altLang="en-US" dirty="0"/>
+              <a:t>表達的語意造成不同結果</a:t>
+            </a:r>
+            <a:endParaRPr lang="en-US" altLang="zh-TW" dirty="0"/>
+          </a:p>
+          <a:p>
+            <a:pPr marL="0" indent="0">
+              <a:buNone/>
+            </a:pPr>
+            <a:r>
+              <a:rPr lang="zh-TW" altLang="en-US" dirty="0"/>
+              <a:t>無法當作基準</a:t>
+            </a:r>
+            <a:r>
+              <a:rPr lang="en-US" altLang="zh-TW" dirty="0"/>
+              <a:t>-</a:t>
+            </a:r>
+            <a:r>
+              <a:rPr lang="zh-TW" altLang="en-US" dirty="0"/>
+              <a:t>容易造成誤判</a:t>
+            </a:r>
+          </a:p>
+        </p:txBody>
+      </p:sp>
     </p:spTree>
     <p:extLst>
       <p:ext uri="{BB962C8B-B14F-4D97-AF65-F5344CB8AC3E}">
-        <p14:creationId xmlns:p14="http://schemas.microsoft.com/office/powerpoint/2010/main" val="2358403728"/>
+        <p14:creationId xmlns:p14="http://schemas.microsoft.com/office/powerpoint/2010/main" val="2821456823"/>
       </p:ext>
     </p:extLst>
   </p:cSld>
@@ -4401,8 +4473,8 @@
         </p:blipFill>
         <p:spPr>
           <a:xfrm>
-            <a:off x="0" y="1587261"/>
-            <a:ext cx="5263322" cy="5258506"/>
+            <a:off x="-1" y="1354871"/>
+            <a:ext cx="5495925" cy="5490896"/>
           </a:xfrm>
           <a:prstGeom prst="rect">
             <a:avLst/>
@@ -4438,6 +4510,58 @@
           </a:prstGeom>
         </p:spPr>
       </p:pic>
+      <p:sp>
+        <p:nvSpPr>
+          <p:cNvPr id="4" name="矩形 3">
+            <a:extLst>
+              <a:ext uri="{FF2B5EF4-FFF2-40B4-BE49-F238E27FC236}">
+                <a16:creationId xmlns:a16="http://schemas.microsoft.com/office/drawing/2014/main" id="{5335250F-69EE-8A6E-0CCA-6A597496C012}"/>
+              </a:ext>
+            </a:extLst>
+          </p:cNvPr>
+          <p:cNvSpPr/>
+          <p:nvPr/>
+        </p:nvSpPr>
+        <p:spPr>
+          <a:xfrm>
+            <a:off x="152400" y="4333875"/>
+            <a:ext cx="5495925" cy="1843088"/>
+          </a:xfrm>
+          <a:prstGeom prst="rect">
+            <a:avLst/>
+          </a:prstGeom>
+          <a:noFill/>
+          <a:ln w="57150">
+            <a:solidFill>
+              <a:srgbClr val="FF0000"/>
+            </a:solidFill>
+          </a:ln>
+        </p:spPr>
+        <p:style>
+          <a:lnRef idx="2">
+            <a:schemeClr val="accent1">
+              <a:shade val="50000"/>
+            </a:schemeClr>
+          </a:lnRef>
+          <a:fillRef idx="1">
+            <a:schemeClr val="accent1"/>
+          </a:fillRef>
+          <a:effectRef idx="0">
+            <a:schemeClr val="accent1"/>
+          </a:effectRef>
+          <a:fontRef idx="minor">
+            <a:schemeClr val="lt1"/>
+          </a:fontRef>
+        </p:style>
+        <p:txBody>
+          <a:bodyPr rtlCol="0" anchor="ctr"/>
+          <a:lstStyle/>
+          <a:p>
+            <a:pPr algn="ctr"/>
+            <a:endParaRPr lang="zh-TW" altLang="en-US"/>
+          </a:p>
+        </p:txBody>
+      </p:sp>
     </p:spTree>
     <p:extLst>
       <p:ext uri="{BB962C8B-B14F-4D97-AF65-F5344CB8AC3E}">
@@ -5147,7 +5271,10 @@
           <a:bodyPr/>
           <a:lstStyle/>
           <a:p>
-            <a:endParaRPr lang="zh-TW" altLang="en-US" dirty="0"/>
+            <a:r>
+              <a:rPr lang="zh-TW" altLang="en-US" dirty="0"/>
+              <a:t>不同風格</a:t>
+            </a:r>
           </a:p>
         </p:txBody>
       </p:sp>
@@ -5202,7 +5329,7 @@
         </p:blipFill>
         <p:spPr>
           <a:xfrm>
-            <a:off x="0" y="1825625"/>
+            <a:off x="0" y="2705100"/>
             <a:ext cx="6713072" cy="4152900"/>
           </a:xfrm>
           <a:prstGeom prst="rect">
@@ -5231,14 +5358,203 @@
         </p:blipFill>
         <p:spPr>
           <a:xfrm>
-            <a:off x="4097887" y="2297114"/>
-            <a:ext cx="3664475" cy="4583112"/>
+            <a:off x="3916054" y="1352550"/>
+            <a:ext cx="4401940" cy="5505450"/>
           </a:xfrm>
           <a:prstGeom prst="rect">
             <a:avLst/>
           </a:prstGeom>
         </p:spPr>
       </p:pic>
+      <p:sp>
+        <p:nvSpPr>
+          <p:cNvPr id="4" name="矩形 3">
+            <a:extLst>
+              <a:ext uri="{FF2B5EF4-FFF2-40B4-BE49-F238E27FC236}">
+                <a16:creationId xmlns:a16="http://schemas.microsoft.com/office/drawing/2014/main" id="{A0D5D10C-F334-A669-710B-BD5F0B7B6966}"/>
+              </a:ext>
+            </a:extLst>
+          </p:cNvPr>
+          <p:cNvSpPr/>
+          <p:nvPr/>
+        </p:nvSpPr>
+        <p:spPr>
+          <a:xfrm>
+            <a:off x="2873514" y="2907010"/>
+            <a:ext cx="704039" cy="1323439"/>
+          </a:xfrm>
+          <a:prstGeom prst="rect">
+            <a:avLst/>
+          </a:prstGeom>
+          <a:noFill/>
+        </p:spPr>
+        <p:txBody>
+          <a:bodyPr wrap="none" lIns="91440" tIns="45720" rIns="91440" bIns="45720">
+            <a:spAutoFit/>
+          </a:bodyPr>
+          <a:lstStyle/>
+          <a:p>
+            <a:pPr algn="ctr"/>
+            <a:r>
+              <a:rPr lang="en-US" altLang="zh-TW" sz="8000" b="1">
+                <a:ln w="22225">
+                  <a:solidFill>
+                    <a:schemeClr val="accent2"/>
+                  </a:solidFill>
+                  <a:prstDash val="solid"/>
+                </a:ln>
+                <a:solidFill>
+                  <a:schemeClr val="accent2">
+                    <a:lumMod val="40000"/>
+                    <a:lumOff val="60000"/>
+                  </a:schemeClr>
+                </a:solidFill>
+              </a:rPr>
+              <a:t>1</a:t>
+            </a:r>
+            <a:endParaRPr lang="zh-TW" altLang="en-US" sz="8000" b="1" dirty="0">
+              <a:ln w="22225">
+                <a:solidFill>
+                  <a:schemeClr val="accent2"/>
+                </a:solidFill>
+                <a:prstDash val="solid"/>
+              </a:ln>
+              <a:solidFill>
+                <a:schemeClr val="accent2">
+                  <a:lumMod val="40000"/>
+                  <a:lumOff val="60000"/>
+                </a:schemeClr>
+              </a:solidFill>
+            </a:endParaRPr>
+          </a:p>
+        </p:txBody>
+      </p:sp>
+      <p:sp>
+        <p:nvSpPr>
+          <p:cNvPr id="7" name="矩形 6">
+            <a:extLst>
+              <a:ext uri="{FF2B5EF4-FFF2-40B4-BE49-F238E27FC236}">
+                <a16:creationId xmlns:a16="http://schemas.microsoft.com/office/drawing/2014/main" id="{576CB3C6-25B0-D1E8-B6A9-81D8A4946420}"/>
+              </a:ext>
+            </a:extLst>
+          </p:cNvPr>
+          <p:cNvSpPr/>
+          <p:nvPr/>
+        </p:nvSpPr>
+        <p:spPr>
+          <a:xfrm>
+            <a:off x="6766375" y="3764260"/>
+            <a:ext cx="704039" cy="1323439"/>
+          </a:xfrm>
+          <a:prstGeom prst="rect">
+            <a:avLst/>
+          </a:prstGeom>
+          <a:noFill/>
+        </p:spPr>
+        <p:txBody>
+          <a:bodyPr wrap="none" lIns="91440" tIns="45720" rIns="91440" bIns="45720">
+            <a:spAutoFit/>
+          </a:bodyPr>
+          <a:lstStyle/>
+          <a:p>
+            <a:pPr algn="ctr"/>
+            <a:r>
+              <a:rPr lang="en-US" altLang="zh-TW" sz="8000" b="1">
+                <a:ln w="22225">
+                  <a:solidFill>
+                    <a:schemeClr val="accent2"/>
+                  </a:solidFill>
+                  <a:prstDash val="solid"/>
+                </a:ln>
+                <a:solidFill>
+                  <a:schemeClr val="accent2">
+                    <a:lumMod val="40000"/>
+                    <a:lumOff val="60000"/>
+                  </a:schemeClr>
+                </a:solidFill>
+              </a:rPr>
+              <a:t>1</a:t>
+            </a:r>
+            <a:endParaRPr lang="zh-TW" altLang="en-US" sz="8000" b="1" dirty="0">
+              <a:ln w="22225">
+                <a:solidFill>
+                  <a:schemeClr val="accent2"/>
+                </a:solidFill>
+                <a:prstDash val="solid"/>
+              </a:ln>
+              <a:solidFill>
+                <a:schemeClr val="accent2">
+                  <a:lumMod val="40000"/>
+                  <a:lumOff val="60000"/>
+                </a:schemeClr>
+              </a:solidFill>
+            </a:endParaRPr>
+          </a:p>
+        </p:txBody>
+      </p:sp>
+      <p:sp>
+        <p:nvSpPr>
+          <p:cNvPr id="9" name="矩形 8">
+            <a:extLst>
+              <a:ext uri="{FF2B5EF4-FFF2-40B4-BE49-F238E27FC236}">
+                <a16:creationId xmlns:a16="http://schemas.microsoft.com/office/drawing/2014/main" id="{88B1F923-9389-CDC6-1749-BB995C75E319}"/>
+              </a:ext>
+            </a:extLst>
+          </p:cNvPr>
+          <p:cNvSpPr/>
+          <p:nvPr/>
+        </p:nvSpPr>
+        <p:spPr>
+          <a:xfrm>
+            <a:off x="11001780" y="1028968"/>
+            <a:ext cx="704040" cy="1323439"/>
+          </a:xfrm>
+          <a:prstGeom prst="rect">
+            <a:avLst/>
+          </a:prstGeom>
+          <a:noFill/>
+        </p:spPr>
+        <p:txBody>
+          <a:bodyPr wrap="none" lIns="91440" tIns="45720" rIns="91440" bIns="45720">
+            <a:spAutoFit/>
+          </a:bodyPr>
+          <a:lstStyle/>
+          <a:p>
+            <a:pPr algn="ctr"/>
+            <a:r>
+              <a:rPr lang="en-US" altLang="zh-TW" sz="8000" b="1" dirty="0">
+                <a:ln w="22225">
+                  <a:solidFill>
+                    <a:schemeClr val="accent2"/>
+                  </a:solidFill>
+                  <a:prstDash val="solid"/>
+                </a:ln>
+                <a:solidFill>
+                  <a:schemeClr val="accent2">
+                    <a:lumMod val="40000"/>
+                    <a:lumOff val="60000"/>
+                  </a:schemeClr>
+                </a:solidFill>
+              </a:rPr>
+              <a:t>2</a:t>
+            </a:r>
+            <a:endParaRPr lang="zh-TW" altLang="en-US" sz="8000" b="1" dirty="0">
+              <a:ln w="22225">
+                <a:solidFill>
+                  <a:schemeClr val="accent2"/>
+                </a:solidFill>
+                <a:prstDash val="solid"/>
+              </a:ln>
+              <a:solidFill>
+                <a:schemeClr val="accent2">
+                  <a:lumMod val="40000"/>
+                  <a:lumOff val="60000"/>
+                </a:schemeClr>
+              </a:solidFill>
+            </a:endParaRPr>
+          </a:p>
+        </p:txBody>
+      </p:sp>
     </p:spTree>
     <p:extLst>
       <p:ext uri="{BB962C8B-B14F-4D97-AF65-F5344CB8AC3E}">
@@ -5293,67 +5609,15 @@
         <a:srgbClr val="954F72"/>
       </a:folHlink>
     </a:clrScheme>
-    <a:fontScheme name="Office">
+    <a:fontScheme name="Arial">
       <a:majorFont>
-        <a:latin typeface="Calibri Light" panose="020F0302020204030204"/>
+        <a:latin typeface="Arial" panose="020B0604020202020204"/>
         <a:ea typeface=""/>
         <a:cs typeface=""/>
-        <a:font script="Jpan" typeface="游ゴシック Light"/>
-        <a:font script="Hang" typeface="맑은 고딕"/>
-        <a:font script="Hans" typeface="等线 Light"/>
-        <a:font script="Hant" typeface="新細明體"/>
-        <a:font script="Arab" typeface="Times New Roman"/>
-        <a:font script="Hebr" typeface="Times New Roman"/>
-        <a:font script="Thai" typeface="Angsana New"/>
-        <a:font script="Ethi" typeface="Nyala"/>
-        <a:font script="Beng" typeface="Vrinda"/>
-        <a:font script="Gujr" typeface="Shruti"/>
-        <a:font script="Khmr" typeface="MoolBoran"/>
-        <a:font script="Knda" typeface="Tunga"/>
-        <a:font script="Guru" typeface="Raavi"/>
-        <a:font script="Cans" typeface="Euphemia"/>
-        <a:font script="Cher" typeface="Plantagenet Cherokee"/>
-        <a:font script="Yiii" typeface="Microsoft Yi Baiti"/>
-        <a:font script="Tibt" typeface="Microsoft Himalaya"/>
-        <a:font script="Thaa" typeface="MV Boli"/>
-        <a:font script="Deva" typeface="Mangal"/>
-        <a:font script="Telu" typeface="Gautami"/>
-        <a:font script="Taml" typeface="Latha"/>
-        <a:font script="Syrc" typeface="Estrangelo Edessa"/>
-        <a:font script="Orya" typeface="Kalinga"/>
-        <a:font script="Mlym" typeface="Kartika"/>
-        <a:font script="Laoo" typeface="DokChampa"/>
-        <a:font script="Sinh" typeface="Iskoola Pota"/>
-        <a:font script="Mong" typeface="Mongolian Baiti"/>
-        <a:font script="Viet" typeface="Times New Roman"/>
-        <a:font script="Uigh" typeface="Microsoft Uighur"/>
-        <a:font script="Geor" typeface="Sylfaen"/>
-        <a:font script="Armn" typeface="Arial"/>
-        <a:font script="Bugi" typeface="Leelawadee UI"/>
-        <a:font script="Bopo" typeface="Microsoft JhengHei"/>
-        <a:font script="Java" typeface="Javanese Text"/>
-        <a:font script="Lisu" typeface="Segoe UI"/>
-        <a:font script="Mymr" typeface="Myanmar Text"/>
-        <a:font script="Nkoo" typeface="Ebrima"/>
-        <a:font script="Olck" typeface="Nirmala UI"/>
-        <a:font script="Osma" typeface="Ebrima"/>
-        <a:font script="Phag" typeface="Phagspa"/>
-        <a:font script="Syrn" typeface="Estrangelo Edessa"/>
-        <a:font script="Syrj" typeface="Estrangelo Edessa"/>
-        <a:font script="Syre" typeface="Estrangelo Edessa"/>
-        <a:font script="Sora" typeface="Nirmala UI"/>
-        <a:font script="Tale" typeface="Microsoft Tai Le"/>
-        <a:font script="Talu" typeface="Microsoft New Tai Lue"/>
-        <a:font script="Tfng" typeface="Ebrima"/>
-      </a:majorFont>
-      <a:minorFont>
-        <a:latin typeface="Calibri" panose="020F0502020204030204"/>
-        <a:ea typeface=""/>
-        <a:cs typeface=""/>
-        <a:font script="Jpan" typeface="游ゴシック"/>
-        <a:font script="Hang" typeface="맑은 고딕"/>
-        <a:font script="Hans" typeface="等线"/>
-        <a:font script="Hant" typeface="新細明體"/>
+        <a:font script="Jpan" typeface="ＭＳ Ｐゴシック"/>
+        <a:font script="Hang" typeface="굴림"/>
+        <a:font script="Hans" typeface="黑体"/>
+        <a:font script="Hant" typeface="微軟正黑體"/>
         <a:font script="Arab" typeface="Arial"/>
         <a:font script="Hebr" typeface="Arial"/>
         <a:font script="Thai" typeface="Cordia New"/>
@@ -5380,23 +5644,41 @@
         <a:font script="Viet" typeface="Arial"/>
         <a:font script="Uigh" typeface="Microsoft Uighur"/>
         <a:font script="Geor" typeface="Sylfaen"/>
-        <a:font script="Armn" typeface="Arial"/>
-        <a:font script="Bugi" typeface="Leelawadee UI"/>
-        <a:font script="Bopo" typeface="Microsoft JhengHei"/>
-        <a:font script="Java" typeface="Javanese Text"/>
-        <a:font script="Lisu" typeface="Segoe UI"/>
-        <a:font script="Mymr" typeface="Myanmar Text"/>
-        <a:font script="Nkoo" typeface="Ebrima"/>
-        <a:font script="Olck" typeface="Nirmala UI"/>
-        <a:font script="Osma" typeface="Ebrima"/>
-        <a:font script="Phag" typeface="Phagspa"/>
-        <a:font script="Syrn" typeface="Estrangelo Edessa"/>
-        <a:font script="Syrj" typeface="Estrangelo Edessa"/>
-        <a:font script="Syre" typeface="Estrangelo Edessa"/>
-        <a:font script="Sora" typeface="Nirmala UI"/>
-        <a:font script="Tale" typeface="Microsoft Tai Le"/>
-        <a:font script="Talu" typeface="Microsoft New Tai Lue"/>
-        <a:font script="Tfng" typeface="Ebrima"/>
+      </a:majorFont>
+      <a:minorFont>
+        <a:latin typeface="Arial" panose="020B0604020202020204"/>
+        <a:ea typeface=""/>
+        <a:cs typeface=""/>
+        <a:font script="Jpan" typeface="ＭＳ Ｐゴシック"/>
+        <a:font script="Hang" typeface="굴림"/>
+        <a:font script="Hans" typeface="黑体"/>
+        <a:font script="Hant" typeface="微軟正黑體"/>
+        <a:font script="Arab" typeface="Arial"/>
+        <a:font script="Hebr" typeface="Arial"/>
+        <a:font script="Thai" typeface="Cordia New"/>
+        <a:font script="Ethi" typeface="Nyala"/>
+        <a:font script="Beng" typeface="Vrinda"/>
+        <a:font script="Gujr" typeface="Shruti"/>
+        <a:font script="Khmr" typeface="DaunPenh"/>
+        <a:font script="Knda" typeface="Tunga"/>
+        <a:font script="Guru" typeface="Raavi"/>
+        <a:font script="Cans" typeface="Euphemia"/>
+        <a:font script="Cher" typeface="Plantagenet Cherokee"/>
+        <a:font script="Yiii" typeface="Microsoft Yi Baiti"/>
+        <a:font script="Tibt" typeface="Microsoft Himalaya"/>
+        <a:font script="Thaa" typeface="MV Boli"/>
+        <a:font script="Deva" typeface="Mangal"/>
+        <a:font script="Telu" typeface="Gautami"/>
+        <a:font script="Taml" typeface="Latha"/>
+        <a:font script="Syrc" typeface="Estrangelo Edessa"/>
+        <a:font script="Orya" typeface="Kalinga"/>
+        <a:font script="Mlym" typeface="Kartika"/>
+        <a:font script="Laoo" typeface="DokChampa"/>
+        <a:font script="Sinh" typeface="Iskoola Pota"/>
+        <a:font script="Mong" typeface="Mongolian Baiti"/>
+        <a:font script="Viet" typeface="Arial"/>
+        <a:font script="Uigh" typeface="Microsoft Uighur"/>
+        <a:font script="Geor" typeface="Sylfaen"/>
       </a:minorFont>
     </a:fontScheme>
     <a:fmtScheme name="Office">
